--- a/PSGG Unity Tutorial #1.pptx
+++ b/PSGG Unity Tutorial #1.pptx
@@ -3957,15 +3957,15 @@
           <a:lstStyle/>
           <a:p>
             <a:r>
-              <a:rPr lang="en-US" altLang="ja-JP"/>
+              <a:rPr lang="en-US" altLang="ja-JP" dirty="0" err="1"/>
               <a:t>Programanic</a:t>
             </a:r>
             <a:endParaRPr lang="en-US" altLang="ja-JP" dirty="0"/>
           </a:p>
           <a:p>
             <a:r>
-              <a:rPr kumimoji="1" lang="en-US" altLang="ja-JP" dirty="0"/>
-              <a:t>2018/7/22</a:t>
+              <a:rPr kumimoji="1" lang="en-US" altLang="ja-JP"/>
+              <a:t>2018/9/30</a:t>
             </a:r>
             <a:endParaRPr kumimoji="1" lang="ja-JP" altLang="en-US" dirty="0"/>
           </a:p>

--- a/PSGG Unity Tutorial #1.pptx
+++ b/PSGG Unity Tutorial #1.pptx
@@ -4936,36 +4936,6 @@
           <a:chExt cx="0" cy="0"/>
         </a:xfrm>
       </p:grpSpPr>
-      <p:pic>
-        <p:nvPicPr>
-          <p:cNvPr id="4" name="図 3">
-            <a:extLst>
-              <a:ext uri="{FF2B5EF4-FFF2-40B4-BE49-F238E27FC236}">
-                <a16:creationId xmlns:a16="http://schemas.microsoft.com/office/drawing/2014/main" id="{38F23002-AD78-49D7-AD03-C1834C1032CA}"/>
-              </a:ext>
-            </a:extLst>
-          </p:cNvPr>
-          <p:cNvPicPr>
-            <a:picLocks noChangeAspect="1"/>
-          </p:cNvPicPr>
-          <p:nvPr/>
-        </p:nvPicPr>
-        <p:blipFill>
-          <a:blip r:embed="rId2"/>
-          <a:stretch>
-            <a:fillRect/>
-          </a:stretch>
-        </p:blipFill>
-        <p:spPr>
-          <a:xfrm>
-            <a:off x="179513" y="116633"/>
-            <a:ext cx="4176464" cy="3543432"/>
-          </a:xfrm>
-          <a:prstGeom prst="rect">
-            <a:avLst/>
-          </a:prstGeom>
-        </p:spPr>
-      </p:pic>
       <p:sp>
         <p:nvSpPr>
           <p:cNvPr id="6" name="四角形: 角を丸くする 5">
@@ -5069,10 +5039,40 @@
       </p:sp>
       <p:pic>
         <p:nvPicPr>
-          <p:cNvPr id="2" name="図 1">
+          <p:cNvPr id="3" name="図 2">
             <a:extLst>
               <a:ext uri="{FF2B5EF4-FFF2-40B4-BE49-F238E27FC236}">
-                <a16:creationId xmlns:a16="http://schemas.microsoft.com/office/drawing/2014/main" id="{EF58391C-7767-4152-A069-C95B4875C7DB}"/>
+                <a16:creationId xmlns:a16="http://schemas.microsoft.com/office/drawing/2014/main" id="{99A624AA-F2EF-4AE8-AE48-BCC8C8AB8DE2}"/>
+              </a:ext>
+            </a:extLst>
+          </p:cNvPr>
+          <p:cNvPicPr>
+            <a:picLocks noChangeAspect="1"/>
+          </p:cNvPicPr>
+          <p:nvPr/>
+        </p:nvPicPr>
+        <p:blipFill>
+          <a:blip r:embed="rId2"/>
+          <a:stretch>
+            <a:fillRect/>
+          </a:stretch>
+        </p:blipFill>
+        <p:spPr>
+          <a:xfrm>
+            <a:off x="399500" y="73829"/>
+            <a:ext cx="4319037" cy="3686006"/>
+          </a:xfrm>
+          <a:prstGeom prst="rect">
+            <a:avLst/>
+          </a:prstGeom>
+        </p:spPr>
+      </p:pic>
+      <p:pic>
+        <p:nvPicPr>
+          <p:cNvPr id="5" name="図 4">
+            <a:extLst>
+              <a:ext uri="{FF2B5EF4-FFF2-40B4-BE49-F238E27FC236}">
+                <a16:creationId xmlns:a16="http://schemas.microsoft.com/office/drawing/2014/main" id="{C86264CA-12A2-43C8-B21E-32C46A34ADAD}"/>
               </a:ext>
             </a:extLst>
           </p:cNvPr>
@@ -5089,8 +5089,8 @@
         </p:blipFill>
         <p:spPr>
           <a:xfrm>
-            <a:off x="320644" y="3878064"/>
-            <a:ext cx="4476750" cy="2085975"/>
+            <a:off x="399500" y="4056310"/>
+            <a:ext cx="4371975" cy="2200275"/>
           </a:xfrm>
           <a:prstGeom prst="rect">
             <a:avLst/>
@@ -8104,8 +8104,8 @@
           <a:p>
             <a:pPr algn="ctr"/>
             <a:r>
-              <a:rPr lang="ja-JP" altLang="en-US" sz="1200" dirty="0"/>
-              <a:t>ステートマシン保存用エクセルファイル</a:t>
+              <a:rPr lang="ja-JP" altLang="en-US" sz="1600" dirty="0"/>
+              <a:t>保存用エクセルファイル</a:t>
             </a:r>
             <a:endParaRPr lang="en-US" altLang="ja-JP" sz="1200" dirty="0"/>
           </a:p>
@@ -8160,7 +8160,7 @@
             <a:pPr algn="ctr"/>
             <a:r>
               <a:rPr lang="ja-JP" altLang="en-US" sz="1200" dirty="0"/>
-              <a:t>変換結果を挿入するソースファイル</a:t>
+              <a:t>変換挿入用のソースファイル</a:t>
             </a:r>
             <a:endParaRPr lang="en-US" altLang="ja-JP" sz="1200" dirty="0"/>
           </a:p>
